--- a/docs/slides.pptx
+++ b/docs/slides.pptx
@@ -1360,7 +1360,7 @@
           <a:bodyPr bIns="0" lIns="0" rIns="0" tIns="0" wrap="none"/>
           <a:p>
             <a:pPr algn="r"/>
-            <a:fld id="{A1019161-0021-41A1-81E1-2101312111C1}" type="slidenum">
+            <a:fld id="{61618191-7161-4181-9161-F1618101B101}" type="slidenum">
               <a:rPr lang="en-US"/>
               <a:t>&lt;number&gt;</a:t>
             </a:fld>
@@ -1452,7 +1452,11 @@
           <a:p>
             <a:r>
               <a:rPr b="1" lang="en-US" sz="2000"/>
-              <a:t>CORS = Cross-origin resource sharing</a:t>
+              <a:t>CORS </a:t>
+            </a:r>
+            <a:r>
+              <a:rPr lang="en-US" sz="2000"/>
+              <a:t>= Cross-origin resource sharing</a:t>
             </a:r>
             <a:endParaRPr/>
           </a:p>
@@ -1462,7 +1466,7 @@
           </a:p>
           <a:p>
             <a:r>
-              <a:rPr b="1" lang="en-US" sz="2000"/>
+              <a:rPr lang="en-US" sz="2000"/>
               <a:t>- Don't worry about cross-domain requests, you can access the API from JS (at least from modern Browsers).</a:t>
             </a:r>
             <a:endParaRPr/>
@@ -1472,7 +1476,7 @@
           </a:p>
           <a:p>
             <a:r>
-              <a:rPr b="1" lang="en-US" sz="2000"/>
+              <a:rPr lang="en-US" sz="2000"/>
               <a:t>- more modern and secure than JSONP</a:t>
             </a:r>
             <a:endParaRPr/>
@@ -1482,7 +1486,7 @@
           </a:p>
           <a:p>
             <a:r>
-              <a:rPr b="1" lang="en-US" sz="2000"/>
+              <a:rPr lang="en-US" sz="2000"/>
               <a:t>- The API controls permissions. Currently limited to GET requests.</a:t>
             </a:r>
             <a:endParaRPr/>
@@ -1492,7 +1496,7 @@
           </a:p>
           <a:p>
             <a:r>
-              <a:rPr b="1" lang="en-US" sz="2000"/>
+              <a:rPr lang="en-US" sz="2000"/>
               <a:t>- Use like any AJAX request – see example in git repo.</a:t>
             </a:r>
             <a:endParaRPr/>
@@ -1513,6 +1517,35 @@
       </p:sp>
     </p:spTree>
   </p:cSld>
+  <p:timing>
+    <p:tnLst>
+      <p:par>
+        <p:cTn dur="indefinite" id="1" nodeType="tmRoot" restart="never">
+          <p:childTnLst>
+            <p:seq>
+              <p:cTn id="2" nodeType="mainSeq">
+                <p:childTnLst/>
+              </p:cTn>
+              <p:prevCondLst>
+                <p:cond delay="0" evt="onPrev">
+                  <p:tgtEl>
+                    <p:sldTgt/>
+                  </p:tgtEl>
+                </p:cond>
+              </p:prevCondLst>
+              <p:nextCondLst>
+                <p:cond delay="0" evt="onNext">
+                  <p:tgtEl>
+                    <p:sldTgt/>
+                  </p:tgtEl>
+                </p:cond>
+              </p:nextCondLst>
+            </p:seq>
+          </p:childTnLst>
+        </p:cTn>
+      </p:par>
+    </p:tnLst>
+  </p:timing>
 </p:sld>
 </file>
 
@@ -1584,12 +1617,74 @@
         <p:txBody>
           <a:bodyPr bIns="0" lIns="0" rIns="0" tIns="0" wrap="none"/>
           <a:p>
+            <a:pPr>
+              <a:buSzPct val="45000"/>
+              <a:buFont typeface="StarSymbol"/>
+              <a:buChar char=""/>
+            </a:pPr>
+            <a:r>
+              <a:rPr lang="en-US" sz="2000"/>
+              <a:t>Clone this repo for some example code!</a:t>
+            </a:r>
+            <a:endParaRPr/>
+          </a:p>
+          <a:p>
+            <a:pPr>
+              <a:buSzPct val="45000"/>
+              <a:buFont typeface="StarSymbol"/>
+              <a:buChar char=""/>
+            </a:pPr>
+            <a:r>
+              <a:rPr lang="en-US" sz="2000"/>
+              <a:t>Create your project within this repo!?</a:t>
+            </a:r>
+            <a:endParaRPr/>
+          </a:p>
+          <a:p>
+            <a:pPr>
+              <a:buSzPct val="45000"/>
+              <a:buFont typeface="StarSymbol"/>
+              <a:buChar char=""/>
+            </a:pPr>
+            <a:r>
+              <a:rPr lang="en-US" sz="2000"/>
+              <a:t>Let me know if you need help to get started in Windows or Linux</a:t>
+            </a:r>
             <a:endParaRPr/>
           </a:p>
         </p:txBody>
       </p:sp>
     </p:spTree>
   </p:cSld>
+  <p:timing>
+    <p:tnLst>
+      <p:par>
+        <p:cTn dur="indefinite" id="3" nodeType="tmRoot" restart="never">
+          <p:childTnLst>
+            <p:seq>
+              <p:cTn id="4" nodeType="mainSeq">
+                <p:childTnLst/>
+              </p:cTn>
+              <p:prevCondLst>
+                <p:cond delay="0" evt="onPrev">
+                  <p:tgtEl>
+                    <p:sldTgt/>
+                  </p:tgtEl>
+                </p:cond>
+              </p:prevCondLst>
+              <p:nextCondLst>
+                <p:cond delay="0" evt="onNext">
+                  <p:tgtEl>
+                    <p:sldTgt/>
+                  </p:tgtEl>
+                </p:cond>
+              </p:nextCondLst>
+            </p:seq>
+          </p:childTnLst>
+        </p:cTn>
+      </p:par>
+    </p:tnLst>
+  </p:timing>
 </p:sld>
 </file>
 
